--- a/Android Final Project.pptx
+++ b/Android Final Project.pptx
@@ -209,7 +209,7 @@
           <a:effectLst/>
           <a:extLst>
             <a:ext uri="{91240B29-F687-4f45-9708-019B960494DF}">
-              <a14:hiddenLine xmlns="" xmlns:a14="http://schemas.microsoft.com/office/drawing/2010/main" w="9525">
+              <a14:hiddenLine xmlns:a14="http://schemas.microsoft.com/office/drawing/2010/main" xmlns="" w="9525">
                 <a:solidFill>
                   <a:srgbClr val="000000"/>
                 </a:solidFill>
@@ -1719,7 +1719,7 @@
           <a:ln/>
           <a:extLst>
             <a:ext uri="{91240B29-F687-4f45-9708-019B960494DF}">
-              <a14:hiddenLine xmlns="" xmlns:a14="http://schemas.microsoft.com/office/drawing/2010/main" w="9525">
+              <a14:hiddenLine xmlns:a14="http://schemas.microsoft.com/office/drawing/2010/main" xmlns="" w="9525">
                 <a:solidFill>
                   <a:srgbClr val="000000"/>
                 </a:solidFill>
@@ -1991,7 +1991,7 @@
           <a:ln/>
           <a:extLst>
             <a:ext uri="{91240B29-F687-4f45-9708-019B960494DF}">
-              <a14:hiddenLine xmlns="" xmlns:a14="http://schemas.microsoft.com/office/drawing/2010/main" w="9525">
+              <a14:hiddenLine xmlns:a14="http://schemas.microsoft.com/office/drawing/2010/main" xmlns="" w="9525">
                 <a:solidFill>
                   <a:srgbClr val="000000"/>
                 </a:solidFill>
@@ -2271,7 +2271,7 @@
           <a:ln/>
           <a:extLst>
             <a:ext uri="{91240B29-F687-4f45-9708-019B960494DF}">
-              <a14:hiddenLine xmlns="" xmlns:a14="http://schemas.microsoft.com/office/drawing/2010/main" w="9525">
+              <a14:hiddenLine xmlns:a14="http://schemas.microsoft.com/office/drawing/2010/main" xmlns="" w="9525">
                 <a:solidFill>
                   <a:srgbClr val="000000"/>
                 </a:solidFill>
@@ -2891,7 +2891,7 @@
           <a:ln/>
           <a:extLst>
             <a:ext uri="{91240B29-F687-4f45-9708-019B960494DF}">
-              <a14:hiddenLine xmlns="" xmlns:a14="http://schemas.microsoft.com/office/drawing/2010/main" w="9525">
+              <a14:hiddenLine xmlns:a14="http://schemas.microsoft.com/office/drawing/2010/main" xmlns="" w="9525">
                 <a:solidFill>
                   <a:srgbClr val="000000"/>
                 </a:solidFill>
@@ -3227,7 +3227,7 @@
           <a:ln/>
           <a:extLst>
             <a:ext uri="{91240B29-F687-4f45-9708-019B960494DF}">
-              <a14:hiddenLine xmlns="" xmlns:a14="http://schemas.microsoft.com/office/drawing/2010/main" w="9525">
+              <a14:hiddenLine xmlns:a14="http://schemas.microsoft.com/office/drawing/2010/main" xmlns="" w="9525">
                 <a:solidFill>
                   <a:srgbClr val="000000"/>
                 </a:solidFill>
@@ -3701,7 +3701,7 @@
           <a:ln/>
           <a:extLst>
             <a:ext uri="{91240B29-F687-4f45-9708-019B960494DF}">
-              <a14:hiddenLine xmlns="" xmlns:a14="http://schemas.microsoft.com/office/drawing/2010/main" w="9525">
+              <a14:hiddenLine xmlns:a14="http://schemas.microsoft.com/office/drawing/2010/main" xmlns="" w="9525">
                 <a:solidFill>
                   <a:srgbClr val="000000"/>
                 </a:solidFill>
@@ -4124,7 +4124,7 @@
           <a:ln/>
           <a:extLst>
             <a:ext uri="{91240B29-F687-4f45-9708-019B960494DF}">
-              <a14:hiddenLine xmlns="" xmlns:a14="http://schemas.microsoft.com/office/drawing/2010/main" w="9525">
+              <a14:hiddenLine xmlns:a14="http://schemas.microsoft.com/office/drawing/2010/main" xmlns="" w="9525">
                 <a:solidFill>
                   <a:srgbClr val="000000"/>
                 </a:solidFill>
@@ -5724,7 +5724,7 @@
               <a:rPr lang="zh-TW" altLang="en-US" sz="2400" dirty="0">
                 <a:latin typeface="微軟正黑體" panose="020B0604030504040204" pitchFamily="34" charset="-120"/>
                 <a:ea typeface="微軟正黑體" panose="020B0604030504040204" pitchFamily="34" charset="-120"/>
-                <a:hlinkClick r:id="rId2"/>
+                <a:hlinkClick r:id="rId2" action="ppaction://hlinkfile"/>
               </a:rPr>
               <a:t>現在登入就送彩虹鑰匙</a:t>
             </a:r>
@@ -5732,7 +5732,7 @@
               <a:rPr lang="en-US" altLang="zh-TW" sz="2400" dirty="0">
                 <a:latin typeface="微軟正黑體" panose="020B0604030504040204" pitchFamily="34" charset="-120"/>
                 <a:ea typeface="微軟正黑體" panose="020B0604030504040204" pitchFamily="34" charset="-120"/>
-                <a:hlinkClick r:id="rId2"/>
+                <a:hlinkClick r:id="rId2" action="ppaction://hlinkfile"/>
               </a:rPr>
               <a:t>!!!</a:t>
             </a:r>

--- a/Android Final Project.pptx
+++ b/Android Final Project.pptx
@@ -209,7 +209,7 @@
           <a:effectLst/>
           <a:extLst>
             <a:ext uri="{91240B29-F687-4f45-9708-019B960494DF}">
-              <a14:hiddenLine xmlns:a14="http://schemas.microsoft.com/office/drawing/2010/main" xmlns="" w="9525">
+              <a14:hiddenLine xmlns="" xmlns:a14="http://schemas.microsoft.com/office/drawing/2010/main" w="9525">
                 <a:solidFill>
                   <a:srgbClr val="000000"/>
                 </a:solidFill>
@@ -1719,7 +1719,7 @@
           <a:ln/>
           <a:extLst>
             <a:ext uri="{91240B29-F687-4f45-9708-019B960494DF}">
-              <a14:hiddenLine xmlns:a14="http://schemas.microsoft.com/office/drawing/2010/main" xmlns="" w="9525">
+              <a14:hiddenLine xmlns="" xmlns:a14="http://schemas.microsoft.com/office/drawing/2010/main" w="9525">
                 <a:solidFill>
                   <a:srgbClr val="000000"/>
                 </a:solidFill>
@@ -1991,7 +1991,7 @@
           <a:ln/>
           <a:extLst>
             <a:ext uri="{91240B29-F687-4f45-9708-019B960494DF}">
-              <a14:hiddenLine xmlns:a14="http://schemas.microsoft.com/office/drawing/2010/main" xmlns="" w="9525">
+              <a14:hiddenLine xmlns="" xmlns:a14="http://schemas.microsoft.com/office/drawing/2010/main" w="9525">
                 <a:solidFill>
                   <a:srgbClr val="000000"/>
                 </a:solidFill>
@@ -2271,7 +2271,7 @@
           <a:ln/>
           <a:extLst>
             <a:ext uri="{91240B29-F687-4f45-9708-019B960494DF}">
-              <a14:hiddenLine xmlns:a14="http://schemas.microsoft.com/office/drawing/2010/main" xmlns="" w="9525">
+              <a14:hiddenLine xmlns="" xmlns:a14="http://schemas.microsoft.com/office/drawing/2010/main" w="9525">
                 <a:solidFill>
                   <a:srgbClr val="000000"/>
                 </a:solidFill>
@@ -2891,7 +2891,7 @@
           <a:ln/>
           <a:extLst>
             <a:ext uri="{91240B29-F687-4f45-9708-019B960494DF}">
-              <a14:hiddenLine xmlns:a14="http://schemas.microsoft.com/office/drawing/2010/main" xmlns="" w="9525">
+              <a14:hiddenLine xmlns="" xmlns:a14="http://schemas.microsoft.com/office/drawing/2010/main" w="9525">
                 <a:solidFill>
                   <a:srgbClr val="000000"/>
                 </a:solidFill>
@@ -3227,7 +3227,7 @@
           <a:ln/>
           <a:extLst>
             <a:ext uri="{91240B29-F687-4f45-9708-019B960494DF}">
-              <a14:hiddenLine xmlns:a14="http://schemas.microsoft.com/office/drawing/2010/main" xmlns="" w="9525">
+              <a14:hiddenLine xmlns="" xmlns:a14="http://schemas.microsoft.com/office/drawing/2010/main" w="9525">
                 <a:solidFill>
                   <a:srgbClr val="000000"/>
                 </a:solidFill>
@@ -3701,7 +3701,7 @@
           <a:ln/>
           <a:extLst>
             <a:ext uri="{91240B29-F687-4f45-9708-019B960494DF}">
-              <a14:hiddenLine xmlns:a14="http://schemas.microsoft.com/office/drawing/2010/main" xmlns="" w="9525">
+              <a14:hiddenLine xmlns="" xmlns:a14="http://schemas.microsoft.com/office/drawing/2010/main" w="9525">
                 <a:solidFill>
                   <a:srgbClr val="000000"/>
                 </a:solidFill>
@@ -4124,7 +4124,7 @@
           <a:ln/>
           <a:extLst>
             <a:ext uri="{91240B29-F687-4f45-9708-019B960494DF}">
-              <a14:hiddenLine xmlns:a14="http://schemas.microsoft.com/office/drawing/2010/main" xmlns="" w="9525">
+              <a14:hiddenLine xmlns="" xmlns:a14="http://schemas.microsoft.com/office/drawing/2010/main" w="9525">
                 <a:solidFill>
                   <a:srgbClr val="000000"/>
                 </a:solidFill>
@@ -5724,7 +5724,7 @@
               <a:rPr lang="zh-TW" altLang="en-US" sz="2400" dirty="0">
                 <a:latin typeface="微軟正黑體" panose="020B0604030504040204" pitchFamily="34" charset="-120"/>
                 <a:ea typeface="微軟正黑體" panose="020B0604030504040204" pitchFamily="34" charset="-120"/>
-                <a:hlinkClick r:id="rId2" action="ppaction://hlinkfile"/>
+                <a:hlinkClick r:id="rId2"/>
               </a:rPr>
               <a:t>現在登入就送彩虹鑰匙</a:t>
             </a:r>
@@ -5732,7 +5732,7 @@
               <a:rPr lang="en-US" altLang="zh-TW" sz="2400" dirty="0">
                 <a:latin typeface="微軟正黑體" panose="020B0604030504040204" pitchFamily="34" charset="-120"/>
                 <a:ea typeface="微軟正黑體" panose="020B0604030504040204" pitchFamily="34" charset="-120"/>
-                <a:hlinkClick r:id="rId2" action="ppaction://hlinkfile"/>
+                <a:hlinkClick r:id="rId2"/>
               </a:rPr>
               <a:t>!!!</a:t>
             </a:r>
